--- a/34_NNCuda.pptx
+++ b/34_NNCuda.pptx
@@ -227,7 +227,7 @@
             <a:fld id="{6837EDA8-41C8-4B24-A206-13C08A65A6D7}" type="datetimeFigureOut">
               <a:rPr lang="zh-TW" altLang="en-US" smtClean="0"/>
               <a:pPr/>
-              <a:t>2020/6/3</a:t>
+              <a:t>2020/6/4</a:t>
             </a:fld>
             <a:endParaRPr lang="zh-TW" altLang="en-US"/>
           </a:p>
@@ -680,7 +680,7 @@
             <a:fld id="{8B85509C-BD4F-47BF-9B1E-FC2E949B3621}" type="datetime1">
               <a:rPr lang="zh-TW" altLang="en-US" smtClean="0"/>
               <a:pPr/>
-              <a:t>2020/6/3</a:t>
+              <a:t>2020/6/4</a:t>
             </a:fld>
             <a:endParaRPr lang="zh-TW" altLang="en-US"/>
           </a:p>
@@ -853,7 +853,7 @@
             <a:fld id="{42251B24-F787-4C15-8A0F-7AEC20C70069}" type="datetime1">
               <a:rPr lang="zh-TW" altLang="en-US" smtClean="0"/>
               <a:pPr/>
-              <a:t>2020/6/3</a:t>
+              <a:t>2020/6/4</a:t>
             </a:fld>
             <a:endParaRPr lang="zh-TW" altLang="en-US"/>
           </a:p>
@@ -1028,7 +1028,7 @@
             <a:fld id="{9CA0D33C-CE2B-45F1-B8D4-FFD1F131F331}" type="datetime1">
               <a:rPr lang="zh-TW" altLang="en-US" smtClean="0"/>
               <a:pPr/>
-              <a:t>2020/6/3</a:t>
+              <a:t>2020/6/4</a:t>
             </a:fld>
             <a:endParaRPr lang="zh-TW" altLang="en-US"/>
           </a:p>
@@ -1193,7 +1193,7 @@
             <a:fld id="{50B99440-D9EF-40CC-9B52-F6428D9B2C76}" type="datetime1">
               <a:rPr lang="zh-TW" altLang="en-US" smtClean="0"/>
               <a:pPr/>
-              <a:t>2020/6/3</a:t>
+              <a:t>2020/6/4</a:t>
             </a:fld>
             <a:endParaRPr lang="zh-TW" altLang="en-US"/>
           </a:p>
@@ -1435,7 +1435,7 @@
             <a:fld id="{0871BF52-5C6C-4959-8E27-CECB68D39FE4}" type="datetime1">
               <a:rPr lang="zh-TW" altLang="en-US" smtClean="0"/>
               <a:pPr/>
-              <a:t>2020/6/3</a:t>
+              <a:t>2020/6/4</a:t>
             </a:fld>
             <a:endParaRPr lang="zh-TW" altLang="en-US"/>
           </a:p>
@@ -1717,7 +1717,7 @@
             <a:fld id="{DF863F05-2DD9-4EB1-A827-12FD992DE9DC}" type="datetime1">
               <a:rPr lang="zh-TW" altLang="en-US" smtClean="0"/>
               <a:pPr/>
-              <a:t>2020/6/3</a:t>
+              <a:t>2020/6/4</a:t>
             </a:fld>
             <a:endParaRPr lang="zh-TW" altLang="en-US"/>
           </a:p>
@@ -2133,7 +2133,7 @@
             <a:fld id="{6339AF51-4491-4873-A096-75DB6CE47516}" type="datetime1">
               <a:rPr lang="zh-TW" altLang="en-US" smtClean="0"/>
               <a:pPr/>
-              <a:t>2020/6/3</a:t>
+              <a:t>2020/6/4</a:t>
             </a:fld>
             <a:endParaRPr lang="zh-TW" altLang="en-US"/>
           </a:p>
@@ -2247,7 +2247,7 @@
             <a:fld id="{EE4AD9C8-8B9E-40FF-ABE2-858AC2057BBB}" type="datetime1">
               <a:rPr lang="zh-TW" altLang="en-US" smtClean="0"/>
               <a:pPr/>
-              <a:t>2020/6/3</a:t>
+              <a:t>2020/6/4</a:t>
             </a:fld>
             <a:endParaRPr lang="zh-TW" altLang="en-US"/>
           </a:p>
@@ -2339,7 +2339,7 @@
             <a:fld id="{B4784999-BBBE-4BE4-A8D0-877E7D1D66CC}" type="datetime1">
               <a:rPr lang="zh-TW" altLang="en-US" smtClean="0"/>
               <a:pPr/>
-              <a:t>2020/6/3</a:t>
+              <a:t>2020/6/4</a:t>
             </a:fld>
             <a:endParaRPr lang="zh-TW" altLang="en-US"/>
           </a:p>
@@ -2611,7 +2611,7 @@
             <a:fld id="{E88D17E6-02BD-4944-B9FE-7BFCCBF83D48}" type="datetime1">
               <a:rPr lang="zh-TW" altLang="en-US" smtClean="0"/>
               <a:pPr/>
-              <a:t>2020/6/3</a:t>
+              <a:t>2020/6/4</a:t>
             </a:fld>
             <a:endParaRPr lang="zh-TW" altLang="en-US"/>
           </a:p>
@@ -2860,7 +2860,7 @@
             <a:fld id="{3C13E23D-1FEF-4D78-A3A3-3D6F2BB31954}" type="datetime1">
               <a:rPr lang="zh-TW" altLang="en-US" smtClean="0"/>
               <a:pPr/>
-              <a:t>2020/6/3</a:t>
+              <a:t>2020/6/4</a:t>
             </a:fld>
             <a:endParaRPr lang="zh-TW" altLang="en-US"/>
           </a:p>
@@ -3068,7 +3068,7 @@
             <a:fld id="{06197F35-AD6F-4594-8B50-334492D2E7E8}" type="datetime1">
               <a:rPr lang="zh-TW" altLang="en-US" smtClean="0"/>
               <a:pPr/>
-              <a:t>2020/6/3</a:t>
+              <a:t>2020/6/4</a:t>
             </a:fld>
             <a:endParaRPr lang="zh-TW" altLang="en-US"/>
           </a:p>
@@ -3545,7 +3545,7 @@
             <a:fld id="{C389EDC9-19E3-47AC-9C57-C6A24DEA81AD}" type="datetime1">
               <a:rPr lang="zh-TW" altLang="en-US" smtClean="0"/>
               <a:pPr/>
-              <a:t>2020/6/3</a:t>
+              <a:t>2020/6/4</a:t>
             </a:fld>
             <a:endParaRPr lang="zh-TW" altLang="en-US"/>
           </a:p>
@@ -4023,7 +4023,7 @@
             <a:fld id="{A4F910E6-8D00-4BAF-8C48-9688E0B449D3}" type="datetime1">
               <a:rPr lang="zh-TW" altLang="en-US" smtClean="0"/>
               <a:pPr/>
-              <a:t>2020/6/3</a:t>
+              <a:t>2020/6/4</a:t>
             </a:fld>
             <a:endParaRPr lang="zh-TW" altLang="en-US"/>
           </a:p>
@@ -5261,7 +5261,7 @@
             <a:fld id="{C389EDC9-19E3-47AC-9C57-C6A24DEA81AD}" type="datetime1">
               <a:rPr lang="zh-TW" altLang="en-US" smtClean="0"/>
               <a:pPr/>
-              <a:t>2020/6/3</a:t>
+              <a:t>2020/6/4</a:t>
             </a:fld>
             <a:endParaRPr lang="zh-TW" altLang="en-US"/>
           </a:p>
@@ -5406,7 +5406,7 @@
                   <a:srgbClr val="FFFF00"/>
                 </a:solidFill>
               </a:rPr>
-              <a:t>33.2 Quiz</a:t>
+              <a:t>34.2 Quiz</a:t>
             </a:r>
             <a:endParaRPr lang="zh-TW" altLang="en-US" sz="3600" b="1" dirty="0">
               <a:solidFill>
@@ -5580,7 +5580,7 @@
             <a:fld id="{A4F910E6-8D00-4BAF-8C48-9688E0B449D3}" type="datetime1">
               <a:rPr lang="zh-TW" altLang="en-US" smtClean="0"/>
               <a:pPr/>
-              <a:t>2020/6/3</a:t>
+              <a:t>2020/6/4</a:t>
             </a:fld>
             <a:endParaRPr lang="zh-TW" altLang="en-US"/>
           </a:p>
@@ -5973,7 +5973,7 @@
                   <a:srgbClr val="FFFF00"/>
                 </a:solidFill>
               </a:rPr>
-              <a:t>33.2 Quiz</a:t>
+              <a:t>34.2 Quiz</a:t>
             </a:r>
             <a:endParaRPr lang="zh-TW" altLang="en-US" sz="3600" b="1" dirty="0">
               <a:solidFill>
@@ -6147,7 +6147,7 @@
             <a:fld id="{A4F910E6-8D00-4BAF-8C48-9688E0B449D3}" type="datetime1">
               <a:rPr lang="zh-TW" altLang="en-US" smtClean="0"/>
               <a:pPr/>
-              <a:t>2020/6/3</a:t>
+              <a:t>2020/6/4</a:t>
             </a:fld>
             <a:endParaRPr lang="zh-TW" altLang="en-US"/>
           </a:p>
@@ -6540,7 +6540,7 @@
                   <a:srgbClr val="FFFF00"/>
                 </a:solidFill>
               </a:rPr>
-              <a:t>33.2 Quiz</a:t>
+              <a:t>34.2 Quiz</a:t>
             </a:r>
             <a:endParaRPr lang="zh-TW" altLang="en-US" sz="3600" b="1" dirty="0">
               <a:solidFill>
@@ -6714,7 +6714,7 @@
             <a:fld id="{A4F910E6-8D00-4BAF-8C48-9688E0B449D3}" type="datetime1">
               <a:rPr lang="zh-TW" altLang="en-US" smtClean="0"/>
               <a:pPr/>
-              <a:t>2020/6/3</a:t>
+              <a:t>2020/6/4</a:t>
             </a:fld>
             <a:endParaRPr lang="zh-TW" altLang="en-US"/>
           </a:p>
@@ -6864,7 +6864,7 @@
                   <a:srgbClr val="FFFF00"/>
                 </a:solidFill>
               </a:rPr>
-              <a:t>33.2 Quiz</a:t>
+              <a:t>34.2 Quiz</a:t>
             </a:r>
             <a:endParaRPr lang="zh-TW" altLang="en-US" sz="3600" b="1" dirty="0">
               <a:solidFill>
@@ -7057,7 +7057,7 @@
             <a:fld id="{A4F910E6-8D00-4BAF-8C48-9688E0B449D3}" type="datetime1">
               <a:rPr lang="zh-TW" altLang="en-US" smtClean="0"/>
               <a:pPr/>
-              <a:t>2020/6/3</a:t>
+              <a:t>2020/6/4</a:t>
             </a:fld>
             <a:endParaRPr lang="zh-TW" altLang="en-US"/>
           </a:p>
@@ -7480,7 +7480,7 @@
             <a:fld id="{4E46BE27-E923-4EC2-B046-3272AE2A3E5C}" type="datetime1">
               <a:rPr lang="zh-TW" altLang="en-US" smtClean="0"/>
               <a:pPr/>
-              <a:t>2020/6/3</a:t>
+              <a:t>2020/6/4</a:t>
             </a:fld>
             <a:endParaRPr lang="zh-TW" altLang="en-US"/>
           </a:p>
@@ -7791,7 +7791,7 @@
             <a:fld id="{A4F910E6-8D00-4BAF-8C48-9688E0B449D3}" type="datetime1">
               <a:rPr lang="zh-TW" altLang="en-US" smtClean="0"/>
               <a:pPr/>
-              <a:t>2020/6/3</a:t>
+              <a:t>2020/6/4</a:t>
             </a:fld>
             <a:endParaRPr lang="zh-TW" altLang="en-US"/>
           </a:p>
@@ -7910,7 +7910,7 @@
             <a:fld id="{C389EDC9-19E3-47AC-9C57-C6A24DEA81AD}" type="datetime1">
               <a:rPr lang="zh-TW" altLang="en-US" smtClean="0"/>
               <a:pPr/>
-              <a:t>2020/6/3</a:t>
+              <a:t>2020/6/4</a:t>
             </a:fld>
             <a:endParaRPr lang="zh-TW" altLang="en-US"/>
           </a:p>
@@ -8348,7 +8348,7 @@
             <a:fld id="{A4F910E6-8D00-4BAF-8C48-9688E0B449D3}" type="datetime1">
               <a:rPr lang="zh-TW" altLang="en-US" smtClean="0"/>
               <a:pPr/>
-              <a:t>2020/6/3</a:t>
+              <a:t>2020/6/4</a:t>
             </a:fld>
             <a:endParaRPr lang="zh-TW" altLang="en-US"/>
           </a:p>
@@ -8620,7 +8620,7 @@
             <a:fld id="{A4F910E6-8D00-4BAF-8C48-9688E0B449D3}" type="datetime1">
               <a:rPr lang="zh-TW" altLang="en-US" smtClean="0"/>
               <a:pPr/>
-              <a:t>2020/6/3</a:t>
+              <a:t>2020/6/4</a:t>
             </a:fld>
             <a:endParaRPr lang="zh-TW" altLang="en-US"/>
           </a:p>
@@ -9244,7 +9244,7 @@
             <a:fld id="{A4F910E6-8D00-4BAF-8C48-9688E0B449D3}" type="datetime1">
               <a:rPr lang="zh-TW" altLang="en-US" smtClean="0"/>
               <a:pPr/>
-              <a:t>2020/6/3</a:t>
+              <a:t>2020/6/4</a:t>
             </a:fld>
             <a:endParaRPr lang="zh-TW" altLang="en-US"/>
           </a:p>
@@ -10100,7 +10100,7 @@
             <a:fld id="{A4F910E6-8D00-4BAF-8C48-9688E0B449D3}" type="datetime1">
               <a:rPr lang="zh-TW" altLang="en-US" smtClean="0"/>
               <a:pPr/>
-              <a:t>2020/6/3</a:t>
+              <a:t>2020/6/4</a:t>
             </a:fld>
             <a:endParaRPr lang="zh-TW" altLang="en-US"/>
           </a:p>
@@ -10427,7 +10427,7 @@
             <a:fld id="{A4F910E6-8D00-4BAF-8C48-9688E0B449D3}" type="datetime1">
               <a:rPr lang="zh-TW" altLang="en-US" smtClean="0"/>
               <a:pPr/>
-              <a:t>2020/6/3</a:t>
+              <a:t>2020/6/4</a:t>
             </a:fld>
             <a:endParaRPr lang="zh-TW" altLang="en-US"/>
           </a:p>
@@ -10733,7 +10733,7 @@
             <a:fld id="{A4F910E6-8D00-4BAF-8C48-9688E0B449D3}" type="datetime1">
               <a:rPr lang="zh-TW" altLang="en-US" smtClean="0"/>
               <a:pPr/>
-              <a:t>2020/6/3</a:t>
+              <a:t>2020/6/4</a:t>
             </a:fld>
             <a:endParaRPr lang="zh-TW" altLang="en-US"/>
           </a:p>
